--- a/ra_presentazione.pptx
+++ b/ra_presentazione.pptx
@@ -14377,8 +14377,8 @@
           </a:p>
         </p:txBody>
       </p:sp>
-      <mc:AlternateContent xmlns:mc="http://schemas.openxmlformats.org/markup-compatibility/2006" xmlns:a14="http://schemas.microsoft.com/office/drawing/2010/main">
-        <mc:Choice Requires="a14">
+      <mc:AlternateContent xmlns:mc="http://schemas.openxmlformats.org/markup-compatibility/2006">
+        <mc:Choice xmlns:a14="http://schemas.microsoft.com/office/drawing/2010/main" Requires="a14">
           <p:sp>
             <p:nvSpPr>
               <p:cNvPr id="19" name="Rettangolo 18">
@@ -14428,7 +14428,7 @@
                             <a:rPr lang="it-IT" b="0" i="1" dirty="0" smtClean="0">
                               <a:latin typeface="Cambria Math" panose="02040503050406030204" pitchFamily="18" charset="0"/>
                             </a:rPr>
-                            <m:t>                ,0</m:t>
+                            <m:t>        ,0</m:t>
                           </m:r>
                         </m:e>
                       </m:d>
@@ -14440,7 +14440,7 @@
             </p:txBody>
           </p:sp>
         </mc:Choice>
-        <mc:Fallback xmlns="">
+        <mc:Fallback>
           <p:sp>
             <p:nvSpPr>
               <p:cNvPr id="19" name="Rettangolo 18">
@@ -14466,7 +14466,7 @@
               <a:blipFill>
                 <a:blip r:embed="rId8"/>
                 <a:stretch>
-                  <a:fillRect r="-8247"/>
+                  <a:fillRect/>
                 </a:stretch>
               </a:blipFill>
             </p:spPr>
@@ -14499,7 +14499,7 @@
         </p:nvSpPr>
         <p:spPr>
           <a:xfrm>
-            <a:off x="7298333" y="3197233"/>
+            <a:off x="6955899" y="3199520"/>
             <a:ext cx="249927" cy="184666"/>
           </a:xfrm>
           <a:prstGeom prst="smileyFace">
@@ -14543,65 +14543,8 @@
           </a:p>
         </p:txBody>
       </p:sp>
-      <p:sp>
-        <p:nvSpPr>
-          <p:cNvPr id="21" name="Saetta 20">
-            <a:extLst>
-              <a:ext uri="{FF2B5EF4-FFF2-40B4-BE49-F238E27FC236}">
-                <a16:creationId xmlns:a16="http://schemas.microsoft.com/office/drawing/2014/main" id="{531B3558-36A3-4F1C-AFBB-7F864A6C2015}"/>
-              </a:ext>
-            </a:extLst>
-          </p:cNvPr>
-          <p:cNvSpPr/>
-          <p:nvPr/>
-        </p:nvSpPr>
-        <p:spPr>
-          <a:xfrm>
-            <a:off x="6837972" y="3156769"/>
-            <a:ext cx="371513" cy="265593"/>
-          </a:xfrm>
-          <a:prstGeom prst="lightningBolt">
-            <a:avLst/>
-          </a:prstGeom>
-          <a:solidFill>
-            <a:schemeClr val="accent6">
-              <a:lumMod val="60000"/>
-              <a:lumOff val="40000"/>
-            </a:schemeClr>
-          </a:solidFill>
-          <a:ln>
-            <a:solidFill>
-              <a:srgbClr val="000000"/>
-            </a:solidFill>
-          </a:ln>
-        </p:spPr>
-        <p:style>
-          <a:lnRef idx="2">
-            <a:schemeClr val="accent1">
-              <a:shade val="50000"/>
-            </a:schemeClr>
-          </a:lnRef>
-          <a:fillRef idx="1">
-            <a:schemeClr val="accent1"/>
-          </a:fillRef>
-          <a:effectRef idx="0">
-            <a:schemeClr val="accent1"/>
-          </a:effectRef>
-          <a:fontRef idx="minor">
-            <a:schemeClr val="lt1"/>
-          </a:fontRef>
-        </p:style>
-        <p:txBody>
-          <a:bodyPr rtlCol="0" anchor="ctr"/>
-          <a:lstStyle/>
-          <a:p>
-            <a:pPr algn="ctr"/>
-            <a:endParaRPr lang="it-IT"/>
-          </a:p>
-        </p:txBody>
-      </p:sp>
-      <mc:AlternateContent xmlns:mc="http://schemas.openxmlformats.org/markup-compatibility/2006" xmlns:a14="http://schemas.microsoft.com/office/drawing/2010/main">
-        <mc:Choice Requires="a14">
+      <mc:AlternateContent xmlns:mc="http://schemas.openxmlformats.org/markup-compatibility/2006">
+        <mc:Choice xmlns:a14="http://schemas.microsoft.com/office/drawing/2010/main" Requires="a14">
           <p:sp>
             <p:nvSpPr>
               <p:cNvPr id="23" name="Rettangolo 22">
@@ -14651,7 +14594,7 @@
                             <a:rPr lang="it-IT" b="0" i="1" dirty="0" smtClean="0">
                               <a:latin typeface="Cambria Math" panose="02040503050406030204" pitchFamily="18" charset="0"/>
                             </a:rPr>
-                            <m:t>                ,0</m:t>
+                            <m:t>        ,0</m:t>
                           </m:r>
                         </m:e>
                       </m:d>
@@ -14663,7 +14606,7 @@
             </p:txBody>
           </p:sp>
         </mc:Choice>
-        <mc:Fallback xmlns="">
+        <mc:Fallback>
           <p:sp>
             <p:nvSpPr>
               <p:cNvPr id="23" name="Rettangolo 22">
@@ -14689,7 +14632,7 @@
               <a:blipFill>
                 <a:blip r:embed="rId9"/>
                 <a:stretch>
-                  <a:fillRect r="-8763"/>
+                  <a:fillRect/>
                 </a:stretch>
               </a:blipFill>
             </p:spPr>
@@ -14722,7 +14665,7 @@
         </p:nvSpPr>
         <p:spPr>
           <a:xfrm>
-            <a:off x="5083493" y="3173917"/>
+            <a:off x="4737453" y="3171530"/>
             <a:ext cx="249927" cy="184666"/>
           </a:xfrm>
           <a:prstGeom prst="smileyFace">
@@ -14733,63 +14676,6 @@
           <a:solidFill>
             <a:schemeClr val="bg1">
               <a:lumMod val="75000"/>
-            </a:schemeClr>
-          </a:solidFill>
-          <a:ln>
-            <a:solidFill>
-              <a:srgbClr val="000000"/>
-            </a:solidFill>
-          </a:ln>
-        </p:spPr>
-        <p:style>
-          <a:lnRef idx="2">
-            <a:schemeClr val="accent1">
-              <a:shade val="50000"/>
-            </a:schemeClr>
-          </a:lnRef>
-          <a:fillRef idx="1">
-            <a:schemeClr val="accent1"/>
-          </a:fillRef>
-          <a:effectRef idx="0">
-            <a:schemeClr val="accent1"/>
-          </a:effectRef>
-          <a:fontRef idx="minor">
-            <a:schemeClr val="lt1"/>
-          </a:fontRef>
-        </p:style>
-        <p:txBody>
-          <a:bodyPr rtlCol="0" anchor="ctr"/>
-          <a:lstStyle/>
-          <a:p>
-            <a:pPr algn="ctr"/>
-            <a:endParaRPr lang="it-IT"/>
-          </a:p>
-        </p:txBody>
-      </p:sp>
-      <p:sp>
-        <p:nvSpPr>
-          <p:cNvPr id="25" name="Saetta 24">
-            <a:extLst>
-              <a:ext uri="{FF2B5EF4-FFF2-40B4-BE49-F238E27FC236}">
-                <a16:creationId xmlns:a16="http://schemas.microsoft.com/office/drawing/2014/main" id="{A71BE8A3-ED1F-41D7-B8EA-19776724AA9B}"/>
-              </a:ext>
-            </a:extLst>
-          </p:cNvPr>
-          <p:cNvSpPr/>
-          <p:nvPr/>
-        </p:nvSpPr>
-        <p:spPr>
-          <a:xfrm>
-            <a:off x="4623132" y="3133453"/>
-            <a:ext cx="371513" cy="265593"/>
-          </a:xfrm>
-          <a:prstGeom prst="lightningBolt">
-            <a:avLst/>
-          </a:prstGeom>
-          <a:solidFill>
-            <a:schemeClr val="accent6">
-              <a:lumMod val="60000"/>
-              <a:lumOff val="40000"/>
             </a:schemeClr>
           </a:solidFill>
           <a:ln>
@@ -16696,33 +16582,6 @@
                                   </p:childTnLst>
                                 </p:cTn>
                               </p:par>
-                              <p:par>
-                                <p:cTn id="65" presetID="1" presetClass="entr" presetSubtype="0" fill="hold" grpId="0" nodeType="withEffect">
-                                  <p:stCondLst>
-                                    <p:cond delay="0"/>
-                                  </p:stCondLst>
-                                  <p:childTnLst>
-                                    <p:set>
-                                      <p:cBhvr>
-                                        <p:cTn id="66" dur="1" fill="hold">
-                                          <p:stCondLst>
-                                            <p:cond delay="0"/>
-                                          </p:stCondLst>
-                                        </p:cTn>
-                                        <p:tgtEl>
-                                          <p:spTgt spid="21"/>
-                                        </p:tgtEl>
-                                        <p:attrNameLst>
-                                          <p:attrName>style.visibility</p:attrName>
-                                        </p:attrNameLst>
-                                      </p:cBhvr>
-                                      <p:to>
-                                        <p:strVal val="visible"/>
-                                      </p:to>
-                                    </p:set>
-                                  </p:childTnLst>
-                                </p:cTn>
-                              </p:par>
                             </p:childTnLst>
                           </p:cTn>
                         </p:par>
@@ -16730,26 +16589,26 @@
                     </p:cTn>
                   </p:par>
                   <p:par>
-                    <p:cTn id="67" fill="hold">
+                    <p:cTn id="65" fill="hold">
                       <p:stCondLst>
                         <p:cond delay="indefinite"/>
                       </p:stCondLst>
                       <p:childTnLst>
                         <p:par>
-                          <p:cTn id="68" fill="hold">
+                          <p:cTn id="66" fill="hold">
                             <p:stCondLst>
                               <p:cond delay="0"/>
                             </p:stCondLst>
                             <p:childTnLst>
                               <p:par>
-                                <p:cTn id="69" presetID="1" presetClass="entr" presetSubtype="0" fill="hold" grpId="0" nodeType="clickEffect">
+                                <p:cTn id="67" presetID="1" presetClass="entr" presetSubtype="0" fill="hold" grpId="0" nodeType="clickEffect">
                                   <p:stCondLst>
                                     <p:cond delay="0"/>
                                   </p:stCondLst>
                                   <p:childTnLst>
                                     <p:set>
                                       <p:cBhvr>
-                                        <p:cTn id="70" dur="1" fill="hold">
+                                        <p:cTn id="68" dur="1" fill="hold">
                                           <p:stCondLst>
                                             <p:cond delay="0"/>
                                           </p:stCondLst>
@@ -16769,14 +16628,14 @@
                                 </p:cTn>
                               </p:par>
                               <p:par>
-                                <p:cTn id="71" presetID="1" presetClass="entr" presetSubtype="0" fill="hold" nodeType="withEffect">
+                                <p:cTn id="69" presetID="1" presetClass="entr" presetSubtype="0" fill="hold" nodeType="withEffect">
                                   <p:stCondLst>
                                     <p:cond delay="0"/>
                                   </p:stCondLst>
                                   <p:childTnLst>
                                     <p:set>
                                       <p:cBhvr>
-                                        <p:cTn id="72" dur="1" fill="hold">
+                                        <p:cTn id="70" dur="1" fill="hold">
                                           <p:stCondLst>
                                             <p:cond delay="0"/>
                                           </p:stCondLst>
@@ -16802,26 +16661,26 @@
                     </p:cTn>
                   </p:par>
                   <p:par>
-                    <p:cTn id="73" fill="hold">
+                    <p:cTn id="71" fill="hold">
                       <p:stCondLst>
                         <p:cond delay="indefinite"/>
                       </p:stCondLst>
                       <p:childTnLst>
                         <p:par>
-                          <p:cTn id="74" fill="hold">
+                          <p:cTn id="72" fill="hold">
                             <p:stCondLst>
                               <p:cond delay="0"/>
                             </p:stCondLst>
                             <p:childTnLst>
                               <p:par>
-                                <p:cTn id="75" presetID="1" presetClass="entr" presetSubtype="0" fill="hold" grpId="0" nodeType="clickEffect">
+                                <p:cTn id="73" presetID="1" presetClass="entr" presetSubtype="0" fill="hold" grpId="0" nodeType="clickEffect">
                                   <p:stCondLst>
                                     <p:cond delay="0"/>
                                   </p:stCondLst>
                                   <p:childTnLst>
                                     <p:set>
                                       <p:cBhvr>
-                                        <p:cTn id="76" dur="1" fill="hold">
+                                        <p:cTn id="74" dur="1" fill="hold">
                                           <p:stCondLst>
                                             <p:cond delay="0"/>
                                           </p:stCondLst>
@@ -16841,14 +16700,14 @@
                                 </p:cTn>
                               </p:par>
                               <p:par>
-                                <p:cTn id="77" presetID="1" presetClass="entr" presetSubtype="0" fill="hold" grpId="0" nodeType="withEffect">
+                                <p:cTn id="75" presetID="1" presetClass="entr" presetSubtype="0" fill="hold" grpId="0" nodeType="withEffect">
                                   <p:stCondLst>
                                     <p:cond delay="0"/>
                                   </p:stCondLst>
                                   <p:childTnLst>
                                     <p:set>
                                       <p:cBhvr>
-                                        <p:cTn id="78" dur="1" fill="hold">
+                                        <p:cTn id="76" dur="1" fill="hold">
                                           <p:stCondLst>
                                             <p:cond delay="0"/>
                                           </p:stCondLst>
@@ -16868,14 +16727,14 @@
                                 </p:cTn>
                               </p:par>
                               <p:par>
-                                <p:cTn id="79" presetID="1" presetClass="entr" presetSubtype="0" fill="hold" nodeType="withEffect">
+                                <p:cTn id="77" presetID="1" presetClass="entr" presetSubtype="0" fill="hold" nodeType="withEffect">
                                   <p:stCondLst>
                                     <p:cond delay="0"/>
                                   </p:stCondLst>
                                   <p:childTnLst>
                                     <p:set>
                                       <p:cBhvr>
-                                        <p:cTn id="80" dur="1" fill="hold">
+                                        <p:cTn id="78" dur="1" fill="hold">
                                           <p:stCondLst>
                                             <p:cond delay="0"/>
                                           </p:stCondLst>
@@ -16901,26 +16760,26 @@
                     </p:cTn>
                   </p:par>
                   <p:par>
-                    <p:cTn id="81" fill="hold">
+                    <p:cTn id="79" fill="hold">
                       <p:stCondLst>
                         <p:cond delay="indefinite"/>
                       </p:stCondLst>
                       <p:childTnLst>
                         <p:par>
-                          <p:cTn id="82" fill="hold">
+                          <p:cTn id="80" fill="hold">
                             <p:stCondLst>
                               <p:cond delay="0"/>
                             </p:stCondLst>
                             <p:childTnLst>
                               <p:par>
-                                <p:cTn id="83" presetID="1" presetClass="entr" presetSubtype="0" fill="hold" grpId="0" nodeType="clickEffect">
+                                <p:cTn id="81" presetID="1" presetClass="entr" presetSubtype="0" fill="hold" grpId="0" nodeType="clickEffect">
                                   <p:stCondLst>
                                     <p:cond delay="0"/>
                                   </p:stCondLst>
                                   <p:childTnLst>
                                     <p:set>
                                       <p:cBhvr>
-                                        <p:cTn id="84" dur="1" fill="hold">
+                                        <p:cTn id="82" dur="1" fill="hold">
                                           <p:stCondLst>
                                             <p:cond delay="0"/>
                                           </p:stCondLst>
@@ -16940,14 +16799,14 @@
                                 </p:cTn>
                               </p:par>
                               <p:par>
-                                <p:cTn id="85" presetID="1" presetClass="entr" presetSubtype="0" fill="hold" grpId="0" nodeType="withEffect">
+                                <p:cTn id="83" presetID="1" presetClass="entr" presetSubtype="0" fill="hold" grpId="0" nodeType="withEffect">
                                   <p:stCondLst>
                                     <p:cond delay="0"/>
                                   </p:stCondLst>
                                   <p:childTnLst>
                                     <p:set>
                                       <p:cBhvr>
-                                        <p:cTn id="86" dur="1" fill="hold">
+                                        <p:cTn id="84" dur="1" fill="hold">
                                           <p:stCondLst>
                                             <p:cond delay="0"/>
                                           </p:stCondLst>
@@ -16967,14 +16826,14 @@
                                 </p:cTn>
                               </p:par>
                               <p:par>
-                                <p:cTn id="87" presetID="1" presetClass="entr" presetSubtype="0" fill="hold" nodeType="withEffect">
+                                <p:cTn id="85" presetID="1" presetClass="entr" presetSubtype="0" fill="hold" nodeType="withEffect">
                                   <p:stCondLst>
                                     <p:cond delay="0"/>
                                   </p:stCondLst>
                                   <p:childTnLst>
                                     <p:set>
                                       <p:cBhvr>
-                                        <p:cTn id="88" dur="1" fill="hold">
+                                        <p:cTn id="86" dur="1" fill="hold">
                                           <p:stCondLst>
                                             <p:cond delay="0"/>
                                           </p:stCondLst>
@@ -17000,26 +16859,26 @@
                     </p:cTn>
                   </p:par>
                   <p:par>
-                    <p:cTn id="89" fill="hold">
+                    <p:cTn id="87" fill="hold">
                       <p:stCondLst>
                         <p:cond delay="indefinite"/>
                       </p:stCondLst>
                       <p:childTnLst>
                         <p:par>
-                          <p:cTn id="90" fill="hold">
+                          <p:cTn id="88" fill="hold">
                             <p:stCondLst>
                               <p:cond delay="0"/>
                             </p:stCondLst>
                             <p:childTnLst>
                               <p:par>
-                                <p:cTn id="91" presetID="1" presetClass="entr" presetSubtype="0" fill="hold" grpId="0" nodeType="clickEffect">
+                                <p:cTn id="89" presetID="1" presetClass="entr" presetSubtype="0" fill="hold" grpId="0" nodeType="clickEffect">
                                   <p:stCondLst>
                                     <p:cond delay="0"/>
                                   </p:stCondLst>
                                   <p:childTnLst>
                                     <p:set>
                                       <p:cBhvr>
-                                        <p:cTn id="92" dur="1" fill="hold">
+                                        <p:cTn id="90" dur="1" fill="hold">
                                           <p:stCondLst>
                                             <p:cond delay="0"/>
                                           </p:stCondLst>
@@ -17039,47 +16898,20 @@
                                 </p:cTn>
                               </p:par>
                               <p:par>
-                                <p:cTn id="93" presetID="1" presetClass="entr" presetSubtype="0" fill="hold" grpId="0" nodeType="withEffect">
+                                <p:cTn id="91" presetID="1" presetClass="entr" presetSubtype="0" fill="hold" grpId="0" nodeType="withEffect">
                                   <p:stCondLst>
                                     <p:cond delay="0"/>
                                   </p:stCondLst>
                                   <p:childTnLst>
                                     <p:set>
                                       <p:cBhvr>
-                                        <p:cTn id="94" dur="1" fill="hold">
+                                        <p:cTn id="92" dur="1" fill="hold">
                                           <p:stCondLst>
                                             <p:cond delay="0"/>
                                           </p:stCondLst>
                                         </p:cTn>
                                         <p:tgtEl>
                                           <p:spTgt spid="24"/>
-                                        </p:tgtEl>
-                                        <p:attrNameLst>
-                                          <p:attrName>style.visibility</p:attrName>
-                                        </p:attrNameLst>
-                                      </p:cBhvr>
-                                      <p:to>
-                                        <p:strVal val="visible"/>
-                                      </p:to>
-                                    </p:set>
-                                  </p:childTnLst>
-                                </p:cTn>
-                              </p:par>
-                              <p:par>
-                                <p:cTn id="95" presetID="1" presetClass="entr" presetSubtype="0" fill="hold" grpId="0" nodeType="withEffect">
-                                  <p:stCondLst>
-                                    <p:cond delay="0"/>
-                                  </p:stCondLst>
-                                  <p:childTnLst>
-                                    <p:set>
-                                      <p:cBhvr>
-                                        <p:cTn id="96" dur="1" fill="hold">
-                                          <p:stCondLst>
-                                            <p:cond delay="0"/>
-                                          </p:stCondLst>
-                                        </p:cTn>
-                                        <p:tgtEl>
-                                          <p:spTgt spid="25"/>
                                         </p:tgtEl>
                                         <p:attrNameLst>
                                           <p:attrName>style.visibility</p:attrName>
@@ -17099,26 +16931,26 @@
                     </p:cTn>
                   </p:par>
                   <p:par>
-                    <p:cTn id="97" fill="hold">
+                    <p:cTn id="93" fill="hold">
                       <p:stCondLst>
                         <p:cond delay="indefinite"/>
                       </p:stCondLst>
                       <p:childTnLst>
                         <p:par>
-                          <p:cTn id="98" fill="hold">
+                          <p:cTn id="94" fill="hold">
                             <p:stCondLst>
                               <p:cond delay="0"/>
                             </p:stCondLst>
                             <p:childTnLst>
                               <p:par>
-                                <p:cTn id="99" presetID="10" presetClass="entr" presetSubtype="0" fill="hold" grpId="0" nodeType="clickEffect">
+                                <p:cTn id="95" presetID="10" presetClass="entr" presetSubtype="0" fill="hold" grpId="0" nodeType="clickEffect">
                                   <p:stCondLst>
                                     <p:cond delay="0"/>
                                   </p:stCondLst>
                                   <p:childTnLst>
                                     <p:set>
                                       <p:cBhvr>
-                                        <p:cTn id="100" dur="1" fill="hold">
+                                        <p:cTn id="96" dur="1" fill="hold">
                                           <p:stCondLst>
                                             <p:cond delay="0"/>
                                           </p:stCondLst>
@@ -17136,7 +16968,7 @@
                                     </p:set>
                                     <p:animEffect transition="in" filter="fade">
                                       <p:cBhvr>
-                                        <p:cTn id="101" dur="500"/>
+                                        <p:cTn id="97" dur="500"/>
                                         <p:tgtEl>
                                           <p:spTgt spid="45"/>
                                         </p:tgtEl>
@@ -17182,10 +17014,8 @@
       <p:bldP spid="17" grpId="0" animBg="1"/>
       <p:bldP spid="19" grpId="0"/>
       <p:bldP spid="20" grpId="0" animBg="1"/>
-      <p:bldP spid="21" grpId="0" animBg="1"/>
       <p:bldP spid="23" grpId="0"/>
       <p:bldP spid="24" grpId="0" animBg="1"/>
-      <p:bldP spid="25" grpId="0" animBg="1"/>
       <p:bldP spid="26" grpId="0"/>
       <p:bldP spid="28" grpId="0"/>
       <p:bldP spid="30" grpId="0" animBg="1"/>
@@ -20588,8 +20418,8 @@
           </a:p>
         </p:txBody>
       </p:sp>
-      <mc:AlternateContent xmlns:mc="http://schemas.openxmlformats.org/markup-compatibility/2006" xmlns:a14="http://schemas.microsoft.com/office/drawing/2010/main">
-        <mc:Choice Requires="a14">
+      <mc:AlternateContent xmlns:mc="http://schemas.openxmlformats.org/markup-compatibility/2006">
+        <mc:Choice xmlns:a14="http://schemas.microsoft.com/office/drawing/2010/main" Requires="a14">
           <p:sp>
             <p:nvSpPr>
               <p:cNvPr id="19" name="Rettangolo 18">
@@ -20639,7 +20469,7 @@
                             <a:rPr lang="it-IT" b="0" i="1" dirty="0" smtClean="0">
                               <a:latin typeface="Cambria Math" panose="02040503050406030204" pitchFamily="18" charset="0"/>
                             </a:rPr>
-                            <m:t>                ,0</m:t>
+                            <m:t>       ,0</m:t>
                           </m:r>
                         </m:e>
                       </m:d>
@@ -20651,7 +20481,7 @@
             </p:txBody>
           </p:sp>
         </mc:Choice>
-        <mc:Fallback xmlns="">
+        <mc:Fallback>
           <p:sp>
             <p:nvSpPr>
               <p:cNvPr id="19" name="Rettangolo 18">
@@ -20677,7 +20507,7 @@
               <a:blipFill>
                 <a:blip r:embed="rId9"/>
                 <a:stretch>
-                  <a:fillRect r="-8247"/>
+                  <a:fillRect/>
                 </a:stretch>
               </a:blipFill>
             </p:spPr>
@@ -20710,7 +20540,7 @@
         </p:nvSpPr>
         <p:spPr>
           <a:xfrm>
-            <a:off x="7298333" y="3197233"/>
+            <a:off x="6955899" y="3168137"/>
             <a:ext cx="249927" cy="184666"/>
           </a:xfrm>
           <a:prstGeom prst="smileyFace">
@@ -20754,65 +20584,8 @@
           </a:p>
         </p:txBody>
       </p:sp>
-      <p:sp>
-        <p:nvSpPr>
-          <p:cNvPr id="21" name="Saetta 20">
-            <a:extLst>
-              <a:ext uri="{FF2B5EF4-FFF2-40B4-BE49-F238E27FC236}">
-                <a16:creationId xmlns:a16="http://schemas.microsoft.com/office/drawing/2014/main" id="{531B3558-36A3-4F1C-AFBB-7F864A6C2015}"/>
-              </a:ext>
-            </a:extLst>
-          </p:cNvPr>
-          <p:cNvSpPr/>
-          <p:nvPr/>
-        </p:nvSpPr>
-        <p:spPr>
-          <a:xfrm>
-            <a:off x="6837972" y="3156769"/>
-            <a:ext cx="371513" cy="265593"/>
-          </a:xfrm>
-          <a:prstGeom prst="lightningBolt">
-            <a:avLst/>
-          </a:prstGeom>
-          <a:solidFill>
-            <a:schemeClr val="accent6">
-              <a:lumMod val="60000"/>
-              <a:lumOff val="40000"/>
-            </a:schemeClr>
-          </a:solidFill>
-          <a:ln>
-            <a:solidFill>
-              <a:srgbClr val="000000"/>
-            </a:solidFill>
-          </a:ln>
-        </p:spPr>
-        <p:style>
-          <a:lnRef idx="2">
-            <a:schemeClr val="accent1">
-              <a:shade val="50000"/>
-            </a:schemeClr>
-          </a:lnRef>
-          <a:fillRef idx="1">
-            <a:schemeClr val="accent1"/>
-          </a:fillRef>
-          <a:effectRef idx="0">
-            <a:schemeClr val="accent1"/>
-          </a:effectRef>
-          <a:fontRef idx="minor">
-            <a:schemeClr val="lt1"/>
-          </a:fontRef>
-        </p:style>
-        <p:txBody>
-          <a:bodyPr rtlCol="0" anchor="ctr"/>
-          <a:lstStyle/>
-          <a:p>
-            <a:pPr algn="ctr"/>
-            <a:endParaRPr lang="it-IT"/>
-          </a:p>
-        </p:txBody>
-      </p:sp>
-      <mc:AlternateContent xmlns:mc="http://schemas.openxmlformats.org/markup-compatibility/2006" xmlns:a14="http://schemas.microsoft.com/office/drawing/2010/main">
-        <mc:Choice Requires="a14">
+      <mc:AlternateContent xmlns:mc="http://schemas.openxmlformats.org/markup-compatibility/2006">
+        <mc:Choice xmlns:a14="http://schemas.microsoft.com/office/drawing/2010/main" Requires="a14">
           <p:sp>
             <p:nvSpPr>
               <p:cNvPr id="23" name="Rettangolo 22">
@@ -20862,7 +20635,7 @@
                             <a:rPr lang="it-IT" b="0" i="1" dirty="0" smtClean="0">
                               <a:latin typeface="Cambria Math" panose="02040503050406030204" pitchFamily="18" charset="0"/>
                             </a:rPr>
-                            <m:t>                ,0</m:t>
+                            <m:t>        ,0</m:t>
                           </m:r>
                         </m:e>
                       </m:d>
@@ -20874,7 +20647,7 @@
             </p:txBody>
           </p:sp>
         </mc:Choice>
-        <mc:Fallback xmlns="">
+        <mc:Fallback>
           <p:sp>
             <p:nvSpPr>
               <p:cNvPr id="23" name="Rettangolo 22">
@@ -20900,7 +20673,7 @@
               <a:blipFill>
                 <a:blip r:embed="rId10"/>
                 <a:stretch>
-                  <a:fillRect r="-8763"/>
+                  <a:fillRect/>
                 </a:stretch>
               </a:blipFill>
             </p:spPr>
@@ -20933,7 +20706,7 @@
         </p:nvSpPr>
         <p:spPr>
           <a:xfrm>
-            <a:off x="5083493" y="3173917"/>
+            <a:off x="4744718" y="3177842"/>
             <a:ext cx="249927" cy="184666"/>
           </a:xfrm>
           <a:prstGeom prst="smileyFace">
@@ -20944,63 +20717,6 @@
           <a:solidFill>
             <a:schemeClr val="bg1">
               <a:lumMod val="75000"/>
-            </a:schemeClr>
-          </a:solidFill>
-          <a:ln>
-            <a:solidFill>
-              <a:srgbClr val="000000"/>
-            </a:solidFill>
-          </a:ln>
-        </p:spPr>
-        <p:style>
-          <a:lnRef idx="2">
-            <a:schemeClr val="accent1">
-              <a:shade val="50000"/>
-            </a:schemeClr>
-          </a:lnRef>
-          <a:fillRef idx="1">
-            <a:schemeClr val="accent1"/>
-          </a:fillRef>
-          <a:effectRef idx="0">
-            <a:schemeClr val="accent1"/>
-          </a:effectRef>
-          <a:fontRef idx="minor">
-            <a:schemeClr val="lt1"/>
-          </a:fontRef>
-        </p:style>
-        <p:txBody>
-          <a:bodyPr rtlCol="0" anchor="ctr"/>
-          <a:lstStyle/>
-          <a:p>
-            <a:pPr algn="ctr"/>
-            <a:endParaRPr lang="it-IT"/>
-          </a:p>
-        </p:txBody>
-      </p:sp>
-      <p:sp>
-        <p:nvSpPr>
-          <p:cNvPr id="25" name="Saetta 24">
-            <a:extLst>
-              <a:ext uri="{FF2B5EF4-FFF2-40B4-BE49-F238E27FC236}">
-                <a16:creationId xmlns:a16="http://schemas.microsoft.com/office/drawing/2014/main" id="{A71BE8A3-ED1F-41D7-B8EA-19776724AA9B}"/>
-              </a:ext>
-            </a:extLst>
-          </p:cNvPr>
-          <p:cNvSpPr/>
-          <p:nvPr/>
-        </p:nvSpPr>
-        <p:spPr>
-          <a:xfrm>
-            <a:off x="4623132" y="3133453"/>
-            <a:ext cx="371513" cy="265593"/>
-          </a:xfrm>
-          <a:prstGeom prst="lightningBolt">
-            <a:avLst/>
-          </a:prstGeom>
-          <a:solidFill>
-            <a:schemeClr val="accent6">
-              <a:lumMod val="60000"/>
-              <a:lumOff val="40000"/>
             </a:schemeClr>
           </a:solidFill>
           <a:ln>
@@ -27584,8 +27300,8 @@
           </a:p>
         </p:txBody>
       </p:sp>
-      <mc:AlternateContent xmlns:mc="http://schemas.openxmlformats.org/markup-compatibility/2006" xmlns:a14="http://schemas.microsoft.com/office/drawing/2010/main">
-        <mc:Choice Requires="a14">
+      <mc:AlternateContent xmlns:mc="http://schemas.openxmlformats.org/markup-compatibility/2006">
+        <mc:Choice xmlns:a14="http://schemas.microsoft.com/office/drawing/2010/main" Requires="a14">
           <p:sp>
             <p:nvSpPr>
               <p:cNvPr id="2" name="CasellaDiTesto 1">
@@ -27600,7 +27316,7 @@
             </p:nvSpPr>
             <p:spPr>
               <a:xfrm>
-                <a:off x="-32066" y="523220"/>
+                <a:off x="-17778" y="523220"/>
                 <a:ext cx="12292127" cy="5487271"/>
               </a:xfrm>
               <a:prstGeom prst="rect">
@@ -28475,13 +28191,13 @@
                 </a:r>
                 <a:r>
                   <a:rPr lang="it-IT" sz="1600" b="1" dirty="0"/>
-                  <a:t> POMDP</a:t>
+                  <a:t> POMDPZ</a:t>
                 </a:r>
               </a:p>
             </p:txBody>
           </p:sp>
         </mc:Choice>
-        <mc:Fallback xmlns="">
+        <mc:Fallback>
           <p:sp>
             <p:nvSpPr>
               <p:cNvPr id="2" name="CasellaDiTesto 1">
@@ -28498,7 +28214,7 @@
             </p:nvSpPr>
             <p:spPr>
               <a:xfrm>
-                <a:off x="-32066" y="523220"/>
+                <a:off x="-17778" y="523220"/>
                 <a:ext cx="12292127" cy="5487271"/>
               </a:xfrm>
               <a:prstGeom prst="rect">
@@ -28507,7 +28223,7 @@
               <a:blipFill>
                 <a:blip r:embed="rId2"/>
                 <a:stretch>
-                  <a:fillRect l="-298" t="-333" b="-778"/>
+                  <a:fillRect l="-248" t="-333" b="-778"/>
                 </a:stretch>
               </a:blipFill>
             </p:spPr>
@@ -48234,8 +47950,8 @@
           </a:p>
         </p:txBody>
       </p:sp>
-      <mc:AlternateContent xmlns:mc="http://schemas.openxmlformats.org/markup-compatibility/2006" xmlns:a14="http://schemas.microsoft.com/office/drawing/2010/main">
-        <mc:Choice Requires="a14">
+      <mc:AlternateContent xmlns:mc="http://schemas.openxmlformats.org/markup-compatibility/2006">
+        <mc:Choice xmlns:a14="http://schemas.microsoft.com/office/drawing/2010/main" Requires="a14">
           <p:sp>
             <p:nvSpPr>
               <p:cNvPr id="6" name="CasellaDiTesto 5">
@@ -48251,7 +47967,7 @@
             <p:spPr>
               <a:xfrm>
                 <a:off x="-17245" y="968666"/>
-                <a:ext cx="10418545" cy="3877985"/>
+                <a:ext cx="12209245" cy="3600986"/>
               </a:xfrm>
               <a:prstGeom prst="rect">
                 <a:avLst/>
@@ -48564,7 +48280,7 @@
             </p:txBody>
           </p:sp>
         </mc:Choice>
-        <mc:Fallback xmlns="">
+        <mc:Fallback>
           <p:sp>
             <p:nvSpPr>
               <p:cNvPr id="6" name="CasellaDiTesto 5">
@@ -48582,7 +48298,7 @@
             <p:spPr>
               <a:xfrm>
                 <a:off x="-17245" y="968666"/>
-                <a:ext cx="10418545" cy="3877985"/>
+                <a:ext cx="12209245" cy="3600986"/>
               </a:xfrm>
               <a:prstGeom prst="rect">
                 <a:avLst/>
@@ -48590,7 +48306,7 @@
               <a:blipFill>
                 <a:blip r:embed="rId3"/>
                 <a:stretch>
-                  <a:fillRect l="-351" t="-943" r="-293" b="-2201"/>
+                  <a:fillRect l="-300" t="-1015" b="-2369"/>
                 </a:stretch>
               </a:blipFill>
             </p:spPr>
